--- a/slides/XEM20_S1D6_sgd_ensembling.pptx
+++ b/slides/XEM20_S1D6_sgd_ensembling.pptx
@@ -286,7 +286,7 @@
           <a:lstStyle/>
           <a:p>
             <a:fld id="{E7E04E26-8F1B-294E-B862-6442840EC858}" type="datetimeFigureOut">
-              <a:t>13/09/2019</a:t>
+              <a:t>9/29/19</a:t>
             </a:fld>
             <a:endParaRPr lang="fr-FR"/>
           </a:p>
@@ -484,7 +484,7 @@
           <a:lstStyle/>
           <a:p>
             <a:fld id="{E7E04E26-8F1B-294E-B862-6442840EC858}" type="datetimeFigureOut">
-              <a:t>13/09/2019</a:t>
+              <a:t>9/29/19</a:t>
             </a:fld>
             <a:endParaRPr lang="fr-FR"/>
           </a:p>
@@ -692,7 +692,7 @@
           <a:lstStyle/>
           <a:p>
             <a:fld id="{E7E04E26-8F1B-294E-B862-6442840EC858}" type="datetimeFigureOut">
-              <a:t>13/09/2019</a:t>
+              <a:t>9/29/19</a:t>
             </a:fld>
             <a:endParaRPr lang="fr-FR"/>
           </a:p>
@@ -890,7 +890,7 @@
           <a:lstStyle/>
           <a:p>
             <a:fld id="{E7E04E26-8F1B-294E-B862-6442840EC858}" type="datetimeFigureOut">
-              <a:t>13/09/2019</a:t>
+              <a:t>9/29/19</a:t>
             </a:fld>
             <a:endParaRPr lang="fr-FR"/>
           </a:p>
@@ -1164,7 +1164,7 @@
           <a:lstStyle/>
           <a:p>
             <a:fld id="{E7E04E26-8F1B-294E-B862-6442840EC858}" type="datetimeFigureOut">
-              <a:t>13/09/2019</a:t>
+              <a:t>9/29/19</a:t>
             </a:fld>
             <a:endParaRPr lang="fr-FR"/>
           </a:p>
@@ -1430,7 +1430,7 @@
           <a:lstStyle/>
           <a:p>
             <a:fld id="{E7E04E26-8F1B-294E-B862-6442840EC858}" type="datetimeFigureOut">
-              <a:t>13/09/2019</a:t>
+              <a:t>9/29/19</a:t>
             </a:fld>
             <a:endParaRPr lang="fr-FR"/>
           </a:p>
@@ -1843,7 +1843,7 @@
           <a:lstStyle/>
           <a:p>
             <a:fld id="{E7E04E26-8F1B-294E-B862-6442840EC858}" type="datetimeFigureOut">
-              <a:t>13/09/2019</a:t>
+              <a:t>9/29/19</a:t>
             </a:fld>
             <a:endParaRPr lang="fr-FR"/>
           </a:p>
@@ -1983,7 +1983,7 @@
           <a:lstStyle/>
           <a:p>
             <a:fld id="{E7E04E26-8F1B-294E-B862-6442840EC858}" type="datetimeFigureOut">
-              <a:t>13/09/2019</a:t>
+              <a:t>9/29/19</a:t>
             </a:fld>
             <a:endParaRPr lang="fr-FR"/>
           </a:p>
@@ -2094,7 +2094,7 @@
           <a:lstStyle/>
           <a:p>
             <a:fld id="{E7E04E26-8F1B-294E-B862-6442840EC858}" type="datetimeFigureOut">
-              <a:t>13/09/2019</a:t>
+              <a:t>9/29/19</a:t>
             </a:fld>
             <a:endParaRPr lang="fr-FR"/>
           </a:p>
@@ -2405,7 +2405,7 @@
           <a:lstStyle/>
           <a:p>
             <a:fld id="{E7E04E26-8F1B-294E-B862-6442840EC858}" type="datetimeFigureOut">
-              <a:t>13/09/2019</a:t>
+              <a:t>9/29/19</a:t>
             </a:fld>
             <a:endParaRPr lang="fr-FR"/>
           </a:p>
@@ -2692,7 +2692,7 @@
           <a:lstStyle/>
           <a:p>
             <a:fld id="{E7E04E26-8F1B-294E-B862-6442840EC858}" type="datetimeFigureOut">
-              <a:t>13/09/2019</a:t>
+              <a:t>9/29/19</a:t>
             </a:fld>
             <a:endParaRPr lang="fr-FR"/>
           </a:p>
@@ -2933,7 +2933,7 @@
           </a:lstStyle>
           <a:p>
             <a:fld id="{E7E04E26-8F1B-294E-B862-6442840EC858}" type="datetimeFigureOut">
-              <a:t>13/09/2019</a:t>
+              <a:t>9/29/19</a:t>
             </a:fld>
             <a:endParaRPr lang="fr-FR"/>
           </a:p>

--- a/slides/XEM20_S1D6_sgd_ensembling.pptx
+++ b/slides/XEM20_S1D6_sgd_ensembling.pptx
@@ -8,10 +8,10 @@
     <p:sldId id="256" r:id="rId2"/>
     <p:sldId id="257" r:id="rId3"/>
     <p:sldId id="258" r:id="rId4"/>
-    <p:sldId id="259" r:id="rId5"/>
-    <p:sldId id="260" r:id="rId6"/>
-    <p:sldId id="261" r:id="rId7"/>
-    <p:sldId id="262" r:id="rId8"/>
+    <p:sldId id="260" r:id="rId5"/>
+    <p:sldId id="261" r:id="rId6"/>
+    <p:sldId id="262" r:id="rId7"/>
+    <p:sldId id="259" r:id="rId8"/>
     <p:sldId id="264" r:id="rId9"/>
     <p:sldId id="263" r:id="rId10"/>
     <p:sldId id="265" r:id="rId11"/>
@@ -286,7 +286,7 @@
           <a:lstStyle/>
           <a:p>
             <a:fld id="{E7E04E26-8F1B-294E-B862-6442840EC858}" type="datetimeFigureOut">
-              <a:t>9/29/19</a:t>
+              <a:t>10/1/19</a:t>
             </a:fld>
             <a:endParaRPr lang="fr-FR"/>
           </a:p>
@@ -484,7 +484,7 @@
           <a:lstStyle/>
           <a:p>
             <a:fld id="{E7E04E26-8F1B-294E-B862-6442840EC858}" type="datetimeFigureOut">
-              <a:t>9/29/19</a:t>
+              <a:t>10/1/19</a:t>
             </a:fld>
             <a:endParaRPr lang="fr-FR"/>
           </a:p>
@@ -692,7 +692,7 @@
           <a:lstStyle/>
           <a:p>
             <a:fld id="{E7E04E26-8F1B-294E-B862-6442840EC858}" type="datetimeFigureOut">
-              <a:t>9/29/19</a:t>
+              <a:t>10/1/19</a:t>
             </a:fld>
             <a:endParaRPr lang="fr-FR"/>
           </a:p>
@@ -890,7 +890,7 @@
           <a:lstStyle/>
           <a:p>
             <a:fld id="{E7E04E26-8F1B-294E-B862-6442840EC858}" type="datetimeFigureOut">
-              <a:t>9/29/19</a:t>
+              <a:t>10/1/19</a:t>
             </a:fld>
             <a:endParaRPr lang="fr-FR"/>
           </a:p>
@@ -1164,7 +1164,7 @@
           <a:lstStyle/>
           <a:p>
             <a:fld id="{E7E04E26-8F1B-294E-B862-6442840EC858}" type="datetimeFigureOut">
-              <a:t>9/29/19</a:t>
+              <a:t>10/1/19</a:t>
             </a:fld>
             <a:endParaRPr lang="fr-FR"/>
           </a:p>
@@ -1430,7 +1430,7 @@
           <a:lstStyle/>
           <a:p>
             <a:fld id="{E7E04E26-8F1B-294E-B862-6442840EC858}" type="datetimeFigureOut">
-              <a:t>9/29/19</a:t>
+              <a:t>10/1/19</a:t>
             </a:fld>
             <a:endParaRPr lang="fr-FR"/>
           </a:p>
@@ -1843,7 +1843,7 @@
           <a:lstStyle/>
           <a:p>
             <a:fld id="{E7E04E26-8F1B-294E-B862-6442840EC858}" type="datetimeFigureOut">
-              <a:t>9/29/19</a:t>
+              <a:t>10/1/19</a:t>
             </a:fld>
             <a:endParaRPr lang="fr-FR"/>
           </a:p>
@@ -1983,7 +1983,7 @@
           <a:lstStyle/>
           <a:p>
             <a:fld id="{E7E04E26-8F1B-294E-B862-6442840EC858}" type="datetimeFigureOut">
-              <a:t>9/29/19</a:t>
+              <a:t>10/1/19</a:t>
             </a:fld>
             <a:endParaRPr lang="fr-FR"/>
           </a:p>
@@ -2094,7 +2094,7 @@
           <a:lstStyle/>
           <a:p>
             <a:fld id="{E7E04E26-8F1B-294E-B862-6442840EC858}" type="datetimeFigureOut">
-              <a:t>9/29/19</a:t>
+              <a:t>10/1/19</a:t>
             </a:fld>
             <a:endParaRPr lang="fr-FR"/>
           </a:p>
@@ -2405,7 +2405,7 @@
           <a:lstStyle/>
           <a:p>
             <a:fld id="{E7E04E26-8F1B-294E-B862-6442840EC858}" type="datetimeFigureOut">
-              <a:t>9/29/19</a:t>
+              <a:t>10/1/19</a:t>
             </a:fld>
             <a:endParaRPr lang="fr-FR"/>
           </a:p>
@@ -2692,7 +2692,7 @@
           <a:lstStyle/>
           <a:p>
             <a:fld id="{E7E04E26-8F1B-294E-B862-6442840EC858}" type="datetimeFigureOut">
-              <a:t>9/29/19</a:t>
+              <a:t>10/1/19</a:t>
             </a:fld>
             <a:endParaRPr lang="fr-FR"/>
           </a:p>
@@ -2933,7 +2933,7 @@
           </a:lstStyle>
           <a:p>
             <a:fld id="{E7E04E26-8F1B-294E-B862-6442840EC858}" type="datetimeFigureOut">
-              <a:t>9/29/19</a:t>
+              <a:t>10/1/19</a:t>
             </a:fld>
             <a:endParaRPr lang="fr-FR"/>
           </a:p>
@@ -3772,6 +3772,11 @@
             <a:avLst/>
           </a:prstGeom>
           <a:noFill/>
+          <a:ln w="28575">
+            <a:solidFill>
+              <a:srgbClr val="FF0000"/>
+            </a:solidFill>
+          </a:ln>
         </p:spPr>
         <p:txBody>
           <a:bodyPr wrap="none" rtlCol="0">
@@ -4035,6 +4040,98 @@
             </a:r>
           </a:p>
           <a:p>
+            <a:endParaRPr lang="fr-FR"/>
+          </a:p>
+        </p:txBody>
+      </p:sp>
+      <p:sp>
+        <p:nvSpPr>
+          <p:cNvPr id="4" name="TextBox 3">
+            <a:extLst>
+              <a:ext uri="{FF2B5EF4-FFF2-40B4-BE49-F238E27FC236}">
+                <a16:creationId xmlns:a16="http://schemas.microsoft.com/office/drawing/2014/main" id="{A0DD4BCF-3431-D34E-8044-124D52E9BA30}"/>
+              </a:ext>
+            </a:extLst>
+          </p:cNvPr>
+          <p:cNvSpPr txBox="1"/>
+          <p:nvPr/>
+        </p:nvSpPr>
+        <p:spPr>
+          <a:xfrm>
+            <a:off x="1490472" y="4837176"/>
+            <a:ext cx="8677375" cy="923330"/>
+          </a:xfrm>
+          <a:prstGeom prst="rect">
+            <a:avLst/>
+          </a:prstGeom>
+          <a:noFill/>
+        </p:spPr>
+        <p:txBody>
+          <a:bodyPr wrap="none" rtlCol="0">
+            <a:spAutoFit/>
+          </a:bodyPr>
+          <a:lstStyle/>
+          <a:p>
+            <a:r>
+              <a:rPr lang="en-US" b="1"/>
+              <a:t>Early stopping of Stochastic Gradient Descent</a:t>
+            </a:r>
+            <a:r>
+              <a:rPr lang="en-US" b="1">
+                <a:hlinkClick r:id="rId3" tooltip="Permalink to this headline"/>
+              </a:rPr>
+              <a:t>¶</a:t>
+            </a:r>
+            <a:endParaRPr lang="en-US" b="1"/>
+          </a:p>
+          <a:p>
+            <a:br>
+              <a:rPr lang="en-US"/>
+            </a:br>
+            <a:r>
+              <a:rPr lang="en-US">
+                <a:hlinkClick r:id="rId2"/>
+              </a:rPr>
+              <a:t>https://scikit-learn.org/stable/auto_examples/linear_model/plot_sgd_early_stopping.html</a:t>
+            </a:r>
+            <a:endParaRPr lang="fr-FR"/>
+          </a:p>
+        </p:txBody>
+      </p:sp>
+      <p:sp>
+        <p:nvSpPr>
+          <p:cNvPr id="5" name="TextBox 4">
+            <a:extLst>
+              <a:ext uri="{FF2B5EF4-FFF2-40B4-BE49-F238E27FC236}">
+                <a16:creationId xmlns:a16="http://schemas.microsoft.com/office/drawing/2014/main" id="{A9F18126-9D9A-8048-A437-AB9E8E73C522}"/>
+              </a:ext>
+            </a:extLst>
+          </p:cNvPr>
+          <p:cNvSpPr txBox="1"/>
+          <p:nvPr/>
+        </p:nvSpPr>
+        <p:spPr>
+          <a:xfrm>
+            <a:off x="7360920" y="1874520"/>
+            <a:ext cx="4155305" cy="369332"/>
+          </a:xfrm>
+          <a:prstGeom prst="rect">
+            <a:avLst/>
+          </a:prstGeom>
+          <a:noFill/>
+        </p:spPr>
+        <p:txBody>
+          <a:bodyPr wrap="none" rtlCol="0">
+            <a:spAutoFit/>
+          </a:bodyPr>
+          <a:lstStyle/>
+          <a:p>
+            <a:r>
+              <a:rPr lang="en-US">
+                <a:hlinkClick r:id="rId4"/>
+              </a:rPr>
+              <a:t>notebooks/gradient_stochastic_cars.ipynb</a:t>
+            </a:r>
             <a:endParaRPr lang="fr-FR"/>
           </a:p>
         </p:txBody>
@@ -4628,34 +4725,6 @@
       </p:grpSpPr>
       <p:sp>
         <p:nvSpPr>
-          <p:cNvPr id="2" name="Title 1">
-            <a:extLst>
-              <a:ext uri="{FF2B5EF4-FFF2-40B4-BE49-F238E27FC236}">
-                <a16:creationId xmlns:a16="http://schemas.microsoft.com/office/drawing/2014/main" id="{3C89B9E7-3221-6441-B33E-453D5BBFA8ED}"/>
-              </a:ext>
-            </a:extLst>
-          </p:cNvPr>
-          <p:cNvSpPr>
-            <a:spLocks noGrp="1"/>
-          </p:cNvSpPr>
-          <p:nvPr>
-            <p:ph type="title"/>
-          </p:nvPr>
-        </p:nvSpPr>
-        <p:spPr/>
-        <p:txBody>
-          <a:bodyPr/>
-          <a:lstStyle/>
-          <a:p>
-            <a:r>
-              <a:rPr lang="fr-FR"/>
-              <a:t>Programme</a:t>
-            </a:r>
-          </a:p>
-        </p:txBody>
-      </p:sp>
-      <p:sp>
-        <p:nvSpPr>
           <p:cNvPr id="3" name="TextBox 2">
             <a:extLst>
               <a:ext uri="{FF2B5EF4-FFF2-40B4-BE49-F238E27FC236}">
@@ -4668,8 +4737,8 @@
         </p:nvSpPr>
         <p:spPr>
           <a:xfrm>
-            <a:off x="863029" y="2188396"/>
-            <a:ext cx="2754280" cy="646331"/>
+            <a:off x="2042605" y="2188396"/>
+            <a:ext cx="2081660" cy="1200329"/>
           </a:xfrm>
           <a:prstGeom prst="rect">
             <a:avLst/>
@@ -4682,16 +4751,157 @@
           </a:bodyPr>
           <a:lstStyle/>
           <a:p>
+            <a:pPr marL="285750" indent="-285750">
+              <a:buFont typeface="Arial" panose="020B0604020202020204" pitchFamily="34" charset="0"/>
+              <a:buChar char="•"/>
+            </a:pPr>
             <a:r>
               <a:rPr lang="fr-FR"/>
-              <a:t>Stochastic gradient descent</a:t>
-            </a:r>
-          </a:p>
-          <a:p>
+              <a:t>Kaggle</a:t>
+            </a:r>
+          </a:p>
+          <a:p>
+            <a:pPr marL="285750" indent="-285750">
+              <a:buFont typeface="Arial" panose="020B0604020202020204" pitchFamily="34" charset="0"/>
+              <a:buChar char="•"/>
+            </a:pPr>
             <a:r>
               <a:rPr lang="fr-FR"/>
-              <a:t>Ensembling</a:t>
-            </a:r>
+              <a:t>Gradient descent</a:t>
+            </a:r>
+          </a:p>
+          <a:p>
+            <a:pPr marL="742950" lvl="1" indent="-285750">
+              <a:buFont typeface="Arial" panose="020B0604020202020204" pitchFamily="34" charset="0"/>
+              <a:buChar char="•"/>
+            </a:pPr>
+            <a:r>
+              <a:rPr lang="fr-FR"/>
+              <a:t>batch</a:t>
+            </a:r>
+          </a:p>
+          <a:p>
+            <a:pPr marL="742950" lvl="1" indent="-285750">
+              <a:buFont typeface="Arial" panose="020B0604020202020204" pitchFamily="34" charset="0"/>
+              <a:buChar char="•"/>
+            </a:pPr>
+            <a:r>
+              <a:rPr lang="fr-FR"/>
+              <a:t>stochastic</a:t>
+            </a:r>
+          </a:p>
+        </p:txBody>
+      </p:sp>
+      <p:sp>
+        <p:nvSpPr>
+          <p:cNvPr id="4" name="Title 1">
+            <a:extLst>
+              <a:ext uri="{FF2B5EF4-FFF2-40B4-BE49-F238E27FC236}">
+                <a16:creationId xmlns:a16="http://schemas.microsoft.com/office/drawing/2014/main" id="{3BDDDADC-31D6-D641-856B-59538646726C}"/>
+              </a:ext>
+            </a:extLst>
+          </p:cNvPr>
+          <p:cNvSpPr txBox="1">
+            <a:spLocks/>
+          </p:cNvSpPr>
+          <p:nvPr/>
+        </p:nvSpPr>
+        <p:spPr>
+          <a:xfrm>
+            <a:off x="-10274" y="-5170"/>
+            <a:ext cx="12202274" cy="646331"/>
+          </a:xfrm>
+          <a:prstGeom prst="rect">
+            <a:avLst/>
+          </a:prstGeom>
+          <a:solidFill>
+            <a:srgbClr val="C04E00"/>
+          </a:solidFill>
+        </p:spPr>
+        <p:txBody>
+          <a:bodyPr vert="horz" lIns="91440" tIns="45720" rIns="91440" bIns="45720" rtlCol="0" anchor="ctr">
+            <a:normAutofit fontScale="97500" lnSpcReduction="10000"/>
+          </a:bodyPr>
+          <a:lstStyle>
+            <a:lvl1pPr algn="l" defTabSz="914400" rtl="0" eaLnBrk="1" latinLnBrk="0" hangingPunct="1">
+              <a:lnSpc>
+                <a:spcPct val="90000"/>
+              </a:lnSpc>
+              <a:spcBef>
+                <a:spcPct val="0"/>
+              </a:spcBef>
+              <a:buNone/>
+              <a:defRPr sz="4400" kern="1200">
+                <a:solidFill>
+                  <a:schemeClr val="tx1"/>
+                </a:solidFill>
+                <a:latin typeface="+mj-lt"/>
+                <a:ea typeface="+mj-ea"/>
+                <a:cs typeface="+mj-cs"/>
+              </a:defRPr>
+            </a:lvl1pPr>
+          </a:lstStyle>
+          <a:p>
+            <a:r>
+              <a:rPr lang="fr-FR">
+                <a:solidFill>
+                  <a:schemeClr val="bg1"/>
+                </a:solidFill>
+              </a:rPr>
+              <a:t>Aujourd'hui</a:t>
+            </a:r>
+          </a:p>
+        </p:txBody>
+      </p:sp>
+      <p:sp>
+        <p:nvSpPr>
+          <p:cNvPr id="9" name="TextBox 8">
+            <a:extLst>
+              <a:ext uri="{FF2B5EF4-FFF2-40B4-BE49-F238E27FC236}">
+                <a16:creationId xmlns:a16="http://schemas.microsoft.com/office/drawing/2014/main" id="{2CBE680A-316B-EE43-A6DC-36CECB8BE2A7}"/>
+              </a:ext>
+            </a:extLst>
+          </p:cNvPr>
+          <p:cNvSpPr txBox="1"/>
+          <p:nvPr/>
+        </p:nvSpPr>
+        <p:spPr>
+          <a:xfrm>
+            <a:off x="6283203" y="2188396"/>
+            <a:ext cx="4043415" cy="923330"/>
+          </a:xfrm>
+          <a:prstGeom prst="rect">
+            <a:avLst/>
+          </a:prstGeom>
+          <a:noFill/>
+        </p:spPr>
+        <p:txBody>
+          <a:bodyPr wrap="none" rtlCol="0">
+            <a:spAutoFit/>
+          </a:bodyPr>
+          <a:lstStyle/>
+          <a:p>
+            <a:pPr marL="285750" indent="-285750">
+              <a:buFont typeface="Arial" panose="020B0604020202020204" pitchFamily="34" charset="0"/>
+              <a:buChar char="•"/>
+            </a:pPr>
+            <a:r>
+              <a:rPr lang="fr-FR"/>
+              <a:t>Ensembling weak learners</a:t>
+            </a:r>
+          </a:p>
+          <a:p>
+            <a:pPr marL="742950" lvl="1" indent="-285750">
+              <a:buFont typeface="Arial" panose="020B0604020202020204" pitchFamily="34" charset="0"/>
+              <a:buChar char="•"/>
+            </a:pPr>
+            <a:r>
+              <a:rPr lang="fr-FR"/>
+              <a:t>bagging or bootstrap aggregating</a:t>
+            </a:r>
+          </a:p>
+          <a:p>
+            <a:endParaRPr lang="fr-FR"/>
           </a:p>
         </p:txBody>
       </p:sp>
@@ -4792,537 +5002,6 @@
 </file>
 
 <file path=ppt/slides/slide4.xml><?xml version="1.0" encoding="utf-8"?>
-<p:sld xmlns:a="http://schemas.openxmlformats.org/drawingml/2006/main" xmlns:r="http://schemas.openxmlformats.org/officeDocument/2006/relationships" xmlns:p="http://schemas.openxmlformats.org/presentationml/2006/main">
-  <p:cSld>
-    <p:spTree>
-      <p:nvGrpSpPr>
-        <p:cNvPr id="1" name=""/>
-        <p:cNvGrpSpPr/>
-        <p:nvPr/>
-      </p:nvGrpSpPr>
-      <p:grpSpPr>
-        <a:xfrm>
-          <a:off x="0" y="0"/>
-          <a:ext cx="0" cy="0"/>
-          <a:chOff x="0" y="0"/>
-          <a:chExt cx="0" cy="0"/>
-        </a:xfrm>
-      </p:grpSpPr>
-      <p:sp>
-        <p:nvSpPr>
-          <p:cNvPr id="3" name="Rectangle 2">
-            <a:extLst>
-              <a:ext uri="{FF2B5EF4-FFF2-40B4-BE49-F238E27FC236}">
-                <a16:creationId xmlns:a16="http://schemas.microsoft.com/office/drawing/2014/main" id="{B115ABEE-3CB2-3441-AE02-FF56531DB0A4}"/>
-              </a:ext>
-            </a:extLst>
-          </p:cNvPr>
-          <p:cNvSpPr/>
-          <p:nvPr/>
-        </p:nvSpPr>
-        <p:spPr>
-          <a:xfrm>
-            <a:off x="571928" y="2074694"/>
-            <a:ext cx="6096000" cy="3139321"/>
-          </a:xfrm>
-          <a:prstGeom prst="rect">
-            <a:avLst/>
-          </a:prstGeom>
-        </p:spPr>
-        <p:txBody>
-          <a:bodyPr>
-            <a:spAutoFit/>
-          </a:bodyPr>
-          <a:lstStyle/>
-          <a:p>
-            <a:pPr fontAlgn="base"/>
-            <a:r>
-              <a:rPr lang="en-US" b="0" i="0">
-                <a:solidFill>
-                  <a:srgbClr val="222222"/>
-                </a:solidFill>
-                <a:effectLst/>
-                <a:latin typeface="Source Sans Pro" panose="020F0502020204030204" pitchFamily="34" charset="0"/>
-              </a:rPr>
-              <a:t>Soit une function </a:t>
-            </a:r>
-            <a:r>
-              <a:rPr lang="en-US" b="0" i="0" u="none" strike="noStrike">
-                <a:solidFill>
-                  <a:srgbClr val="222222"/>
-                </a:solidFill>
-                <a:effectLst/>
-                <a:latin typeface="STIXGeneral-Italic" pitchFamily="2" charset="2"/>
-              </a:rPr>
-              <a:t>f</a:t>
-            </a:r>
-            <a:r>
-              <a:rPr lang="en-US" b="0" i="0">
-                <a:solidFill>
-                  <a:srgbClr val="222222"/>
-                </a:solidFill>
-                <a:effectLst/>
-                <a:latin typeface="Source Sans Pro" panose="020F0502020204030204" pitchFamily="34" charset="0"/>
-              </a:rPr>
-              <a:t> dont on souhaite trouver le minimum.</a:t>
-            </a:r>
-          </a:p>
-          <a:p>
-            <a:pPr fontAlgn="base"/>
-            <a:endParaRPr lang="en-US" b="0" i="0">
-              <a:solidFill>
-                <a:srgbClr val="222222"/>
-              </a:solidFill>
-              <a:effectLst/>
-              <a:latin typeface="Source Sans Pro" panose="020F0502020204030204" pitchFamily="34" charset="0"/>
-            </a:endParaRPr>
-          </a:p>
-          <a:p>
-            <a:pPr fontAlgn="base"/>
-            <a:r>
-              <a:rPr lang="en-US" b="0" i="0">
-                <a:solidFill>
-                  <a:srgbClr val="222222"/>
-                </a:solidFill>
-                <a:effectLst/>
-                <a:latin typeface="Source Sans Pro" panose="020F0502020204030204" pitchFamily="34" charset="0"/>
-              </a:rPr>
-              <a:t>Si f est dérivable et convexe, pour </a:t>
-            </a:r>
-            <a:r>
-              <a:rPr lang="el-GR" b="0" i="0" u="none" strike="noStrike">
-                <a:solidFill>
-                  <a:srgbClr val="222222"/>
-                </a:solidFill>
-                <a:effectLst/>
-                <a:latin typeface="STIXGeneral-Italic" pitchFamily="2" charset="2"/>
-              </a:rPr>
-              <a:t>α</a:t>
-            </a:r>
-            <a:r>
-              <a:rPr lang="el-GR" b="0" i="0">
-                <a:solidFill>
-                  <a:srgbClr val="222222"/>
-                </a:solidFill>
-                <a:effectLst/>
-                <a:latin typeface="Source Sans Pro" panose="020F0502020204030204" pitchFamily="34" charset="0"/>
-              </a:rPr>
-              <a:t> </a:t>
-            </a:r>
-            <a:r>
-              <a:rPr lang="en-US" b="0" i="0">
-                <a:solidFill>
-                  <a:srgbClr val="222222"/>
-                </a:solidFill>
-                <a:effectLst/>
-                <a:latin typeface="Source Sans Pro" panose="020F0502020204030204" pitchFamily="34" charset="0"/>
-              </a:rPr>
-              <a:t>assez petit et</a:t>
-            </a:r>
-          </a:p>
-          <a:p>
-            <a:pPr fontAlgn="base"/>
-            <a:r>
-              <a:rPr lang="en-US" b="0" i="0">
-                <a:solidFill>
-                  <a:srgbClr val="222222"/>
-                </a:solidFill>
-                <a:effectLst/>
-                <a:latin typeface="Source Sans Pro" panose="020F0502020204030204" pitchFamily="34" charset="0"/>
-              </a:rPr>
-              <a:t>alors</a:t>
-            </a:r>
-          </a:p>
-          <a:p>
-            <a:pPr algn="ctr" fontAlgn="base"/>
-            <a:r>
-              <a:rPr lang="en-US" b="1" u="none" strike="noStrike">
-                <a:effectLst/>
-                <a:latin typeface="STIXGeneral" pitchFamily="2" charset="2"/>
-              </a:rPr>
-              <a:t>w(</a:t>
-            </a:r>
-            <a:r>
-              <a:rPr lang="en-US" u="none" strike="noStrike">
-                <a:effectLst/>
-                <a:latin typeface="STIXGeneral-Italic" pitchFamily="2" charset="2"/>
-              </a:rPr>
-              <a:t>t</a:t>
-            </a:r>
-            <a:r>
-              <a:rPr lang="en-US" u="none" strike="noStrike">
-                <a:effectLst/>
-                <a:latin typeface="STIXGeneral-Regular" pitchFamily="2" charset="2"/>
-              </a:rPr>
-              <a:t>+1)=</a:t>
-            </a:r>
-            <a:r>
-              <a:rPr lang="en-US" b="1" u="none" strike="noStrike">
-                <a:effectLst/>
-                <a:latin typeface="STIXGeneral" pitchFamily="2" charset="2"/>
-              </a:rPr>
-              <a:t>w(</a:t>
-            </a:r>
-            <a:r>
-              <a:rPr lang="en-US" u="none" strike="noStrike">
-                <a:effectLst/>
-                <a:latin typeface="STIXGeneral-Italic" pitchFamily="2" charset="2"/>
-              </a:rPr>
-              <a:t>t)</a:t>
-            </a:r>
-            <a:r>
-              <a:rPr lang="en-US" u="none" strike="noStrike">
-                <a:effectLst/>
-                <a:latin typeface="STIXGeneral-Regular" pitchFamily="2" charset="2"/>
-              </a:rPr>
-              <a:t>−</a:t>
-            </a:r>
-            <a:r>
-              <a:rPr lang="el-GR" u="none" strike="noStrike">
-                <a:effectLst/>
-                <a:latin typeface="STIXGeneral-Italic" pitchFamily="2" charset="2"/>
-              </a:rPr>
-              <a:t>α</a:t>
-            </a:r>
-            <a:r>
-              <a:rPr lang="en-US" u="none" strike="noStrike">
-                <a:effectLst/>
-                <a:latin typeface="STIXGeneral-Italic" pitchFamily="2" charset="2"/>
-              </a:rPr>
-              <a:t>(t)</a:t>
-            </a:r>
-            <a:r>
-              <a:rPr lang="en-US" u="none" strike="noStrike">
-                <a:effectLst/>
-                <a:latin typeface="STIXGeneral-Regular" pitchFamily="2" charset="2"/>
-              </a:rPr>
-              <a:t>∇̂ </a:t>
-            </a:r>
-            <a:r>
-              <a:rPr lang="en-US" u="none" strike="noStrike">
-                <a:effectLst/>
-                <a:latin typeface="STIXGeneral-Italic" pitchFamily="2" charset="2"/>
-              </a:rPr>
-              <a:t>f</a:t>
-            </a:r>
-            <a:r>
-              <a:rPr lang="en-US" u="none" strike="noStrike">
-                <a:effectLst/>
-                <a:latin typeface="STIXGeneral-Regular" pitchFamily="2" charset="2"/>
-              </a:rPr>
-              <a:t>(</a:t>
-            </a:r>
-            <a:r>
-              <a:rPr lang="en-US" b="1" u="none" strike="noStrike">
-                <a:effectLst/>
-                <a:latin typeface="STIXGeneral" pitchFamily="2" charset="2"/>
-              </a:rPr>
-              <a:t>w(</a:t>
-            </a:r>
-            <a:r>
-              <a:rPr lang="en-US" u="none" strike="noStrike">
-                <a:effectLst/>
-                <a:latin typeface="STIXGeneral-Italic" pitchFamily="2" charset="2"/>
-              </a:rPr>
-              <a:t>t)</a:t>
-            </a:r>
-            <a:r>
-              <a:rPr lang="en-US" u="none" strike="noStrike">
-                <a:effectLst/>
-                <a:latin typeface="STIXGeneral-Regular" pitchFamily="2" charset="2"/>
-              </a:rPr>
-              <a:t>)</a:t>
-            </a:r>
-            <a:endParaRPr lang="en-US">
-              <a:effectLst/>
-            </a:endParaRPr>
-          </a:p>
-          <a:p>
-            <a:pPr fontAlgn="base"/>
-            <a:endParaRPr lang="en-US" b="1" i="0" u="none" strike="noStrike">
-              <a:solidFill>
-                <a:srgbClr val="222222"/>
-              </a:solidFill>
-              <a:effectLst/>
-              <a:latin typeface="STIXGeneral" pitchFamily="2" charset="2"/>
-            </a:endParaRPr>
-          </a:p>
-          <a:p>
-            <a:pPr fontAlgn="base"/>
-            <a:r>
-              <a:rPr lang="en-US" b="1" i="0" u="none" strike="noStrike">
-                <a:solidFill>
-                  <a:srgbClr val="222222"/>
-                </a:solidFill>
-                <a:effectLst/>
-                <a:latin typeface="STIXGeneral" pitchFamily="2" charset="2"/>
-              </a:rPr>
-              <a:t>w(</a:t>
-            </a:r>
-            <a:r>
-              <a:rPr lang="en-US" b="0" i="0" u="none" strike="noStrike">
-                <a:solidFill>
-                  <a:srgbClr val="222222"/>
-                </a:solidFill>
-                <a:effectLst/>
-                <a:latin typeface="STIXGeneral-Italic" pitchFamily="2" charset="2"/>
-              </a:rPr>
-              <a:t>t)</a:t>
-            </a:r>
-            <a:r>
-              <a:rPr lang="en-US" b="0" i="0">
-                <a:solidFill>
-                  <a:srgbClr val="222222"/>
-                </a:solidFill>
-                <a:effectLst/>
-                <a:latin typeface="Source Sans Pro" panose="020F0502020204030204" pitchFamily="34" charset="0"/>
-              </a:rPr>
-              <a:t> converge vers le minima de </a:t>
-            </a:r>
-            <a:r>
-              <a:rPr lang="en-US" b="0" i="0" u="none" strike="noStrike">
-                <a:solidFill>
-                  <a:srgbClr val="222222"/>
-                </a:solidFill>
-                <a:effectLst/>
-                <a:latin typeface="STIXGeneral-Italic" pitchFamily="2" charset="2"/>
-              </a:rPr>
-              <a:t>f</a:t>
-            </a:r>
-            <a:endParaRPr lang="en-US" b="0" i="0">
-              <a:solidFill>
-                <a:srgbClr val="222222"/>
-              </a:solidFill>
-              <a:effectLst/>
-              <a:latin typeface="Source Sans Pro" panose="020F0502020204030204" pitchFamily="34" charset="0"/>
-            </a:endParaRPr>
-          </a:p>
-          <a:p>
-            <a:pPr fontAlgn="base"/>
-            <a:endParaRPr lang="en-US" b="0" i="0">
-              <a:solidFill>
-                <a:srgbClr val="222222"/>
-              </a:solidFill>
-              <a:effectLst/>
-              <a:latin typeface="Source Sans Pro" panose="020F0502020204030204" pitchFamily="34" charset="0"/>
-            </a:endParaRPr>
-          </a:p>
-          <a:p>
-            <a:pPr fontAlgn="base"/>
-            <a:r>
-              <a:rPr lang="en-US" b="0" i="0">
-                <a:solidFill>
-                  <a:srgbClr val="222222"/>
-                </a:solidFill>
-                <a:effectLst/>
-                <a:latin typeface="Source Sans Pro" panose="020F0502020204030204" pitchFamily="34" charset="0"/>
-              </a:rPr>
-              <a:t>On a</a:t>
-            </a:r>
-          </a:p>
-          <a:p>
-            <a:pPr algn="ctr" fontAlgn="base"/>
-            <a:r>
-              <a:rPr lang="en-US" u="none" strike="noStrike">
-                <a:effectLst/>
-                <a:latin typeface="STIXGeneral-Italic" pitchFamily="2" charset="2"/>
-              </a:rPr>
-              <a:t>f</a:t>
-            </a:r>
-            <a:r>
-              <a:rPr lang="en-US" u="none" strike="noStrike">
-                <a:effectLst/>
-                <a:latin typeface="STIXGeneral-Regular" pitchFamily="2" charset="2"/>
-              </a:rPr>
-              <a:t>(</a:t>
-            </a:r>
-            <a:r>
-              <a:rPr lang="en-US" b="1" u="none" strike="noStrike">
-                <a:effectLst/>
-                <a:latin typeface="STIXGeneral" pitchFamily="2" charset="2"/>
-              </a:rPr>
-              <a:t>w(</a:t>
-            </a:r>
-            <a:r>
-              <a:rPr lang="en-US" u="none" strike="noStrike">
-                <a:effectLst/>
-                <a:latin typeface="STIXGeneral-Regular" pitchFamily="2" charset="2"/>
-              </a:rPr>
-              <a:t>0))≥</a:t>
-            </a:r>
-            <a:r>
-              <a:rPr lang="en-US" u="none" strike="noStrike">
-                <a:effectLst/>
-                <a:latin typeface="STIXGeneral-Italic" pitchFamily="2" charset="2"/>
-              </a:rPr>
-              <a:t>f</a:t>
-            </a:r>
-            <a:r>
-              <a:rPr lang="en-US" u="none" strike="noStrike">
-                <a:effectLst/>
-                <a:latin typeface="STIXGeneral-Regular" pitchFamily="2" charset="2"/>
-              </a:rPr>
-              <a:t>(</a:t>
-            </a:r>
-            <a:r>
-              <a:rPr lang="en-US" b="1" u="none" strike="noStrike">
-                <a:effectLst/>
-                <a:latin typeface="STIXGeneral" pitchFamily="2" charset="2"/>
-              </a:rPr>
-              <a:t>w(</a:t>
-            </a:r>
-            <a:r>
-              <a:rPr lang="en-US" u="none" strike="noStrike">
-                <a:effectLst/>
-                <a:latin typeface="STIXGeneral-Regular" pitchFamily="2" charset="2"/>
-              </a:rPr>
-              <a:t>1))≥</a:t>
-            </a:r>
-            <a:r>
-              <a:rPr lang="en-US" u="none" strike="noStrike">
-                <a:effectLst/>
-                <a:latin typeface="STIXGeneral-Italic" pitchFamily="2" charset="2"/>
-              </a:rPr>
-              <a:t>f</a:t>
-            </a:r>
-            <a:r>
-              <a:rPr lang="en-US" u="none" strike="noStrike">
-                <a:effectLst/>
-                <a:latin typeface="STIXGeneral-Regular" pitchFamily="2" charset="2"/>
-              </a:rPr>
-              <a:t>(</a:t>
-            </a:r>
-            <a:r>
-              <a:rPr lang="en-US" b="1" u="none" strike="noStrike">
-                <a:effectLst/>
-                <a:latin typeface="STIXGeneral" pitchFamily="2" charset="2"/>
-              </a:rPr>
-              <a:t>w(</a:t>
-            </a:r>
-            <a:r>
-              <a:rPr lang="en-US" u="none" strike="noStrike">
-                <a:effectLst/>
-                <a:latin typeface="STIXGeneral-Regular" pitchFamily="2" charset="2"/>
-              </a:rPr>
-              <a:t>2))≥⋯,</a:t>
-            </a:r>
-            <a:endParaRPr lang="en-US">
-              <a:effectLst/>
-            </a:endParaRPr>
-          </a:p>
-          <a:p>
-            <a:pPr fontAlgn="base"/>
-            <a:endParaRPr lang="en-US" b="0" i="0">
-              <a:solidFill>
-                <a:srgbClr val="222222"/>
-              </a:solidFill>
-              <a:effectLst/>
-              <a:latin typeface="Source Sans Pro" panose="020F0502020204030204" pitchFamily="34" charset="0"/>
-            </a:endParaRPr>
-          </a:p>
-        </p:txBody>
-      </p:sp>
-      <p:pic>
-        <p:nvPicPr>
-          <p:cNvPr id="5" name="Picture 4">
-            <a:extLst>
-              <a:ext uri="{FF2B5EF4-FFF2-40B4-BE49-F238E27FC236}">
-                <a16:creationId xmlns:a16="http://schemas.microsoft.com/office/drawing/2014/main" id="{0699ADB8-4A4F-6F4E-9B09-3A4C3CB053BF}"/>
-              </a:ext>
-            </a:extLst>
-          </p:cNvPr>
-          <p:cNvPicPr>
-            <a:picLocks noChangeAspect="1"/>
-          </p:cNvPicPr>
-          <p:nvPr/>
-        </p:nvPicPr>
-        <p:blipFill>
-          <a:blip r:embed="rId2"/>
-          <a:stretch>
-            <a:fillRect/>
-          </a:stretch>
-        </p:blipFill>
-        <p:spPr>
-          <a:xfrm>
-            <a:off x="6908800" y="1401604"/>
-            <a:ext cx="4445000" cy="4762500"/>
-          </a:xfrm>
-          <a:prstGeom prst="rect">
-            <a:avLst/>
-          </a:prstGeom>
-        </p:spPr>
-      </p:pic>
-      <p:sp>
-        <p:nvSpPr>
-          <p:cNvPr id="6" name="Title 1">
-            <a:extLst>
-              <a:ext uri="{FF2B5EF4-FFF2-40B4-BE49-F238E27FC236}">
-                <a16:creationId xmlns:a16="http://schemas.microsoft.com/office/drawing/2014/main" id="{0A669A59-911B-F441-AF60-CFA7964F3AC3}"/>
-              </a:ext>
-            </a:extLst>
-          </p:cNvPr>
-          <p:cNvSpPr txBox="1">
-            <a:spLocks/>
-          </p:cNvSpPr>
-          <p:nvPr/>
-        </p:nvSpPr>
-        <p:spPr>
-          <a:xfrm>
-            <a:off x="-10274" y="-5170"/>
-            <a:ext cx="12202274" cy="646331"/>
-          </a:xfrm>
-          <a:prstGeom prst="rect">
-            <a:avLst/>
-          </a:prstGeom>
-          <a:solidFill>
-            <a:srgbClr val="00FDFF"/>
-          </a:solidFill>
-        </p:spPr>
-        <p:txBody>
-          <a:bodyPr vert="horz" lIns="91440" tIns="45720" rIns="91440" bIns="45720" rtlCol="0" anchor="ctr">
-            <a:normAutofit fontScale="97500" lnSpcReduction="10000"/>
-          </a:bodyPr>
-          <a:lstStyle>
-            <a:lvl1pPr algn="l" defTabSz="914400" rtl="0" eaLnBrk="1" latinLnBrk="0" hangingPunct="1">
-              <a:lnSpc>
-                <a:spcPct val="90000"/>
-              </a:lnSpc>
-              <a:spcBef>
-                <a:spcPct val="0"/>
-              </a:spcBef>
-              <a:buNone/>
-              <a:defRPr sz="4400" kern="1200">
-                <a:solidFill>
-                  <a:schemeClr val="tx1"/>
-                </a:solidFill>
-                <a:latin typeface="+mj-lt"/>
-                <a:ea typeface="+mj-ea"/>
-                <a:cs typeface="+mj-cs"/>
-              </a:defRPr>
-            </a:lvl1pPr>
-          </a:lstStyle>
-          <a:p>
-            <a:r>
-              <a:rPr lang="fr-FR"/>
-              <a:t>Méthode du gradient – batch gradient descent</a:t>
-            </a:r>
-          </a:p>
-        </p:txBody>
-      </p:sp>
-    </p:spTree>
-    <p:extLst>
-      <p:ext uri="{BB962C8B-B14F-4D97-AF65-F5344CB8AC3E}">
-        <p14:creationId xmlns:p14="http://schemas.microsoft.com/office/powerpoint/2010/main" val="3601364981"/>
-      </p:ext>
-    </p:extLst>
-  </p:cSld>
-  <p:clrMapOvr>
-    <a:masterClrMapping/>
-  </p:clrMapOvr>
-</p:sld>
-</file>
-
-<file path=ppt/slides/slide5.xml><?xml version="1.0" encoding="utf-8"?>
 <p:sld xmlns:a="http://schemas.openxmlformats.org/drawingml/2006/main" xmlns:r="http://schemas.openxmlformats.org/officeDocument/2006/relationships" xmlns:p="http://schemas.openxmlformats.org/presentationml/2006/main">
   <p:cSld>
     <p:spTree>
@@ -5472,7 +5151,7 @@
 </p:sld>
 </file>
 
-<file path=ppt/slides/slide6.xml><?xml version="1.0" encoding="utf-8"?>
+<file path=ppt/slides/slide5.xml><?xml version="1.0" encoding="utf-8"?>
 <p:sld xmlns:a="http://schemas.openxmlformats.org/drawingml/2006/main" xmlns:r="http://schemas.openxmlformats.org/officeDocument/2006/relationships" xmlns:p="http://schemas.openxmlformats.org/presentationml/2006/main">
   <p:cSld>
     <p:spTree>
@@ -5584,7 +5263,7 @@
         <p:spPr>
           <a:xfrm>
             <a:off x="1691667" y="1847855"/>
-            <a:ext cx="9866759" cy="1477328"/>
+            <a:ext cx="9866759" cy="923330"/>
           </a:xfrm>
           <a:prstGeom prst="rect">
             <a:avLst/>
@@ -5635,30 +5314,6 @@
                 <a:effectLst/>
               </a:rPr>
               <a:t>Least-Squares: Ridge Regression.</a:t>
-            </a:r>
-          </a:p>
-          <a:p>
-            <a:pPr marL="285750" indent="-285750">
-              <a:buFont typeface="Arial" panose="020B0604020202020204" pitchFamily="34" charset="0"/>
-              <a:buChar char="•"/>
-            </a:pPr>
-            <a:r>
-              <a:rPr lang="en-US">
-                <a:effectLst/>
-              </a:rPr>
-              <a:t>Hinge: (soft-margin) Support Vector Machines.</a:t>
-            </a:r>
-          </a:p>
-          <a:p>
-            <a:pPr marL="285750" indent="-285750">
-              <a:buFont typeface="Arial" panose="020B0604020202020204" pitchFamily="34" charset="0"/>
-              <a:buChar char="•"/>
-            </a:pPr>
-            <a:r>
-              <a:rPr lang="en-US">
-                <a:effectLst/>
-              </a:rPr>
-              <a:t>Epsilon-Insensitive: (soft-margin) Support Vector Regression.</a:t>
             </a:r>
           </a:p>
         </p:txBody>
@@ -5716,7 +5371,7 @@
 </p:sld>
 </file>
 
-<file path=ppt/slides/slide7.xml><?xml version="1.0" encoding="utf-8"?>
+<file path=ppt/slides/slide6.xml><?xml version="1.0" encoding="utf-8"?>
 <p:sld xmlns:a="http://schemas.openxmlformats.org/drawingml/2006/main" xmlns:r="http://schemas.openxmlformats.org/officeDocument/2006/relationships" xmlns:p="http://schemas.openxmlformats.org/presentationml/2006/main">
   <p:cSld>
     <p:spTree>
@@ -5935,6 +5590,537 @@
 </p:sld>
 </file>
 
+<file path=ppt/slides/slide7.xml><?xml version="1.0" encoding="utf-8"?>
+<p:sld xmlns:a="http://schemas.openxmlformats.org/drawingml/2006/main" xmlns:r="http://schemas.openxmlformats.org/officeDocument/2006/relationships" xmlns:p="http://schemas.openxmlformats.org/presentationml/2006/main">
+  <p:cSld>
+    <p:spTree>
+      <p:nvGrpSpPr>
+        <p:cNvPr id="1" name=""/>
+        <p:cNvGrpSpPr/>
+        <p:nvPr/>
+      </p:nvGrpSpPr>
+      <p:grpSpPr>
+        <a:xfrm>
+          <a:off x="0" y="0"/>
+          <a:ext cx="0" cy="0"/>
+          <a:chOff x="0" y="0"/>
+          <a:chExt cx="0" cy="0"/>
+        </a:xfrm>
+      </p:grpSpPr>
+      <p:sp>
+        <p:nvSpPr>
+          <p:cNvPr id="3" name="Rectangle 2">
+            <a:extLst>
+              <a:ext uri="{FF2B5EF4-FFF2-40B4-BE49-F238E27FC236}">
+                <a16:creationId xmlns:a16="http://schemas.microsoft.com/office/drawing/2014/main" id="{B115ABEE-3CB2-3441-AE02-FF56531DB0A4}"/>
+              </a:ext>
+            </a:extLst>
+          </p:cNvPr>
+          <p:cNvSpPr/>
+          <p:nvPr/>
+        </p:nvSpPr>
+        <p:spPr>
+          <a:xfrm>
+            <a:off x="571928" y="2074694"/>
+            <a:ext cx="6096000" cy="3139321"/>
+          </a:xfrm>
+          <a:prstGeom prst="rect">
+            <a:avLst/>
+          </a:prstGeom>
+        </p:spPr>
+        <p:txBody>
+          <a:bodyPr>
+            <a:spAutoFit/>
+          </a:bodyPr>
+          <a:lstStyle/>
+          <a:p>
+            <a:pPr fontAlgn="base"/>
+            <a:r>
+              <a:rPr lang="en-US" b="0" i="0">
+                <a:solidFill>
+                  <a:srgbClr val="222222"/>
+                </a:solidFill>
+                <a:effectLst/>
+                <a:latin typeface="Source Sans Pro" panose="020F0502020204030204" pitchFamily="34" charset="0"/>
+              </a:rPr>
+              <a:t>Soit une function </a:t>
+            </a:r>
+            <a:r>
+              <a:rPr lang="en-US" b="0" i="0" u="none" strike="noStrike">
+                <a:solidFill>
+                  <a:srgbClr val="222222"/>
+                </a:solidFill>
+                <a:effectLst/>
+                <a:latin typeface="STIXGeneral-Italic" pitchFamily="2" charset="2"/>
+              </a:rPr>
+              <a:t>f</a:t>
+            </a:r>
+            <a:r>
+              <a:rPr lang="en-US" b="0" i="0">
+                <a:solidFill>
+                  <a:srgbClr val="222222"/>
+                </a:solidFill>
+                <a:effectLst/>
+                <a:latin typeface="Source Sans Pro" panose="020F0502020204030204" pitchFamily="34" charset="0"/>
+              </a:rPr>
+              <a:t> dont on souhaite trouver le minimum.</a:t>
+            </a:r>
+          </a:p>
+          <a:p>
+            <a:pPr fontAlgn="base"/>
+            <a:endParaRPr lang="en-US" b="0" i="0">
+              <a:solidFill>
+                <a:srgbClr val="222222"/>
+              </a:solidFill>
+              <a:effectLst/>
+              <a:latin typeface="Source Sans Pro" panose="020F0502020204030204" pitchFamily="34" charset="0"/>
+            </a:endParaRPr>
+          </a:p>
+          <a:p>
+            <a:pPr fontAlgn="base"/>
+            <a:r>
+              <a:rPr lang="en-US" b="0" i="0">
+                <a:solidFill>
+                  <a:srgbClr val="222222"/>
+                </a:solidFill>
+                <a:effectLst/>
+                <a:latin typeface="Source Sans Pro" panose="020F0502020204030204" pitchFamily="34" charset="0"/>
+              </a:rPr>
+              <a:t>Si f est dérivable et convexe, pour </a:t>
+            </a:r>
+            <a:r>
+              <a:rPr lang="el-GR" b="0" i="0" u="none" strike="noStrike">
+                <a:solidFill>
+                  <a:srgbClr val="222222"/>
+                </a:solidFill>
+                <a:effectLst/>
+                <a:latin typeface="STIXGeneral-Italic" pitchFamily="2" charset="2"/>
+              </a:rPr>
+              <a:t>α</a:t>
+            </a:r>
+            <a:r>
+              <a:rPr lang="el-GR" b="0" i="0">
+                <a:solidFill>
+                  <a:srgbClr val="222222"/>
+                </a:solidFill>
+                <a:effectLst/>
+                <a:latin typeface="Source Sans Pro" panose="020F0502020204030204" pitchFamily="34" charset="0"/>
+              </a:rPr>
+              <a:t> </a:t>
+            </a:r>
+            <a:r>
+              <a:rPr lang="en-US" b="0" i="0">
+                <a:solidFill>
+                  <a:srgbClr val="222222"/>
+                </a:solidFill>
+                <a:effectLst/>
+                <a:latin typeface="Source Sans Pro" panose="020F0502020204030204" pitchFamily="34" charset="0"/>
+              </a:rPr>
+              <a:t>assez petit et</a:t>
+            </a:r>
+          </a:p>
+          <a:p>
+            <a:pPr fontAlgn="base"/>
+            <a:r>
+              <a:rPr lang="en-US" b="0" i="0">
+                <a:solidFill>
+                  <a:srgbClr val="222222"/>
+                </a:solidFill>
+                <a:effectLst/>
+                <a:latin typeface="Source Sans Pro" panose="020F0502020204030204" pitchFamily="34" charset="0"/>
+              </a:rPr>
+              <a:t>alors</a:t>
+            </a:r>
+          </a:p>
+          <a:p>
+            <a:pPr algn="ctr" fontAlgn="base"/>
+            <a:r>
+              <a:rPr lang="en-US" b="1" u="none" strike="noStrike">
+                <a:effectLst/>
+                <a:latin typeface="STIXGeneral" pitchFamily="2" charset="2"/>
+              </a:rPr>
+              <a:t>w(</a:t>
+            </a:r>
+            <a:r>
+              <a:rPr lang="en-US" u="none" strike="noStrike">
+                <a:effectLst/>
+                <a:latin typeface="STIXGeneral-Italic" pitchFamily="2" charset="2"/>
+              </a:rPr>
+              <a:t>t</a:t>
+            </a:r>
+            <a:r>
+              <a:rPr lang="en-US" u="none" strike="noStrike">
+                <a:effectLst/>
+                <a:latin typeface="STIXGeneral-Regular" pitchFamily="2" charset="2"/>
+              </a:rPr>
+              <a:t>+1)=</a:t>
+            </a:r>
+            <a:r>
+              <a:rPr lang="en-US" b="1" u="none" strike="noStrike">
+                <a:effectLst/>
+                <a:latin typeface="STIXGeneral" pitchFamily="2" charset="2"/>
+              </a:rPr>
+              <a:t>w(</a:t>
+            </a:r>
+            <a:r>
+              <a:rPr lang="en-US" u="none" strike="noStrike">
+                <a:effectLst/>
+                <a:latin typeface="STIXGeneral-Italic" pitchFamily="2" charset="2"/>
+              </a:rPr>
+              <a:t>t)</a:t>
+            </a:r>
+            <a:r>
+              <a:rPr lang="en-US" u="none" strike="noStrike">
+                <a:effectLst/>
+                <a:latin typeface="STIXGeneral-Regular" pitchFamily="2" charset="2"/>
+              </a:rPr>
+              <a:t>− </a:t>
+            </a:r>
+            <a:r>
+              <a:rPr lang="el-GR" u="none" strike="noStrike">
+                <a:effectLst/>
+                <a:latin typeface="STIXGeneral-Italic" pitchFamily="2" charset="2"/>
+              </a:rPr>
+              <a:t>α</a:t>
+            </a:r>
+            <a:r>
+              <a:rPr lang="en-US" u="none" strike="noStrike">
+                <a:effectLst/>
+                <a:latin typeface="STIXGeneral-Italic" pitchFamily="2" charset="2"/>
+              </a:rPr>
+              <a:t> </a:t>
+            </a:r>
+            <a:r>
+              <a:rPr lang="en-US" u="none" strike="noStrike">
+                <a:effectLst/>
+                <a:latin typeface="STIXGeneral-Regular" pitchFamily="2" charset="2"/>
+              </a:rPr>
+              <a:t>∇̂ </a:t>
+            </a:r>
+            <a:r>
+              <a:rPr lang="en-US" u="none" strike="noStrike">
+                <a:effectLst/>
+                <a:latin typeface="STIXGeneral-Italic" pitchFamily="2" charset="2"/>
+              </a:rPr>
+              <a:t>f</a:t>
+            </a:r>
+            <a:r>
+              <a:rPr lang="en-US" u="none" strike="noStrike">
+                <a:effectLst/>
+                <a:latin typeface="STIXGeneral-Regular" pitchFamily="2" charset="2"/>
+              </a:rPr>
+              <a:t>(</a:t>
+            </a:r>
+            <a:r>
+              <a:rPr lang="en-US" b="1" u="none" strike="noStrike">
+                <a:effectLst/>
+                <a:latin typeface="STIXGeneral" pitchFamily="2" charset="2"/>
+              </a:rPr>
+              <a:t>w(</a:t>
+            </a:r>
+            <a:r>
+              <a:rPr lang="en-US" u="none" strike="noStrike">
+                <a:effectLst/>
+                <a:latin typeface="STIXGeneral-Italic" pitchFamily="2" charset="2"/>
+              </a:rPr>
+              <a:t>t)</a:t>
+            </a:r>
+            <a:r>
+              <a:rPr lang="en-US" u="none" strike="noStrike">
+                <a:effectLst/>
+                <a:latin typeface="STIXGeneral-Regular" pitchFamily="2" charset="2"/>
+              </a:rPr>
+              <a:t>)</a:t>
+            </a:r>
+            <a:endParaRPr lang="en-US">
+              <a:effectLst/>
+            </a:endParaRPr>
+          </a:p>
+          <a:p>
+            <a:pPr fontAlgn="base"/>
+            <a:endParaRPr lang="en-US" b="1" i="0" u="none" strike="noStrike">
+              <a:solidFill>
+                <a:srgbClr val="222222"/>
+              </a:solidFill>
+              <a:effectLst/>
+              <a:latin typeface="STIXGeneral" pitchFamily="2" charset="2"/>
+            </a:endParaRPr>
+          </a:p>
+          <a:p>
+            <a:pPr fontAlgn="base"/>
+            <a:r>
+              <a:rPr lang="en-US" b="1" i="0" u="none" strike="noStrike">
+                <a:solidFill>
+                  <a:srgbClr val="222222"/>
+                </a:solidFill>
+                <a:effectLst/>
+                <a:latin typeface="STIXGeneral" pitchFamily="2" charset="2"/>
+              </a:rPr>
+              <a:t>w(</a:t>
+            </a:r>
+            <a:r>
+              <a:rPr lang="en-US" b="0" i="0" u="none" strike="noStrike">
+                <a:solidFill>
+                  <a:srgbClr val="222222"/>
+                </a:solidFill>
+                <a:effectLst/>
+                <a:latin typeface="STIXGeneral-Italic" pitchFamily="2" charset="2"/>
+              </a:rPr>
+              <a:t>t)</a:t>
+            </a:r>
+            <a:r>
+              <a:rPr lang="en-US" b="0" i="0">
+                <a:solidFill>
+                  <a:srgbClr val="222222"/>
+                </a:solidFill>
+                <a:effectLst/>
+                <a:latin typeface="Source Sans Pro" panose="020F0502020204030204" pitchFamily="34" charset="0"/>
+              </a:rPr>
+              <a:t> converge vers le minima de </a:t>
+            </a:r>
+            <a:r>
+              <a:rPr lang="en-US" b="0" i="0" u="none" strike="noStrike">
+                <a:solidFill>
+                  <a:srgbClr val="222222"/>
+                </a:solidFill>
+                <a:effectLst/>
+                <a:latin typeface="STIXGeneral-Italic" pitchFamily="2" charset="2"/>
+              </a:rPr>
+              <a:t>f</a:t>
+            </a:r>
+            <a:endParaRPr lang="en-US" b="0" i="0">
+              <a:solidFill>
+                <a:srgbClr val="222222"/>
+              </a:solidFill>
+              <a:effectLst/>
+              <a:latin typeface="Source Sans Pro" panose="020F0502020204030204" pitchFamily="34" charset="0"/>
+            </a:endParaRPr>
+          </a:p>
+          <a:p>
+            <a:pPr fontAlgn="base"/>
+            <a:endParaRPr lang="en-US" b="0" i="0">
+              <a:solidFill>
+                <a:srgbClr val="222222"/>
+              </a:solidFill>
+              <a:effectLst/>
+              <a:latin typeface="Source Sans Pro" panose="020F0502020204030204" pitchFamily="34" charset="0"/>
+            </a:endParaRPr>
+          </a:p>
+          <a:p>
+            <a:pPr fontAlgn="base"/>
+            <a:r>
+              <a:rPr lang="en-US" b="0" i="0">
+                <a:solidFill>
+                  <a:srgbClr val="222222"/>
+                </a:solidFill>
+                <a:effectLst/>
+                <a:latin typeface="Source Sans Pro" panose="020F0502020204030204" pitchFamily="34" charset="0"/>
+              </a:rPr>
+              <a:t>On a</a:t>
+            </a:r>
+          </a:p>
+          <a:p>
+            <a:pPr algn="ctr" fontAlgn="base"/>
+            <a:r>
+              <a:rPr lang="en-US" u="none" strike="noStrike">
+                <a:effectLst/>
+                <a:latin typeface="STIXGeneral-Italic" pitchFamily="2" charset="2"/>
+              </a:rPr>
+              <a:t>f</a:t>
+            </a:r>
+            <a:r>
+              <a:rPr lang="en-US" u="none" strike="noStrike">
+                <a:effectLst/>
+                <a:latin typeface="STIXGeneral-Regular" pitchFamily="2" charset="2"/>
+              </a:rPr>
+              <a:t>(</a:t>
+            </a:r>
+            <a:r>
+              <a:rPr lang="en-US" b="1" u="none" strike="noStrike">
+                <a:effectLst/>
+                <a:latin typeface="STIXGeneral" pitchFamily="2" charset="2"/>
+              </a:rPr>
+              <a:t>w(</a:t>
+            </a:r>
+            <a:r>
+              <a:rPr lang="en-US" u="none" strike="noStrike">
+                <a:effectLst/>
+                <a:latin typeface="STIXGeneral-Regular" pitchFamily="2" charset="2"/>
+              </a:rPr>
+              <a:t>0))≥</a:t>
+            </a:r>
+            <a:r>
+              <a:rPr lang="en-US" u="none" strike="noStrike">
+                <a:effectLst/>
+                <a:latin typeface="STIXGeneral-Italic" pitchFamily="2" charset="2"/>
+              </a:rPr>
+              <a:t>f</a:t>
+            </a:r>
+            <a:r>
+              <a:rPr lang="en-US" u="none" strike="noStrike">
+                <a:effectLst/>
+                <a:latin typeface="STIXGeneral-Regular" pitchFamily="2" charset="2"/>
+              </a:rPr>
+              <a:t>(</a:t>
+            </a:r>
+            <a:r>
+              <a:rPr lang="en-US" b="1" u="none" strike="noStrike">
+                <a:effectLst/>
+                <a:latin typeface="STIXGeneral" pitchFamily="2" charset="2"/>
+              </a:rPr>
+              <a:t>w(</a:t>
+            </a:r>
+            <a:r>
+              <a:rPr lang="en-US" u="none" strike="noStrike">
+                <a:effectLst/>
+                <a:latin typeface="STIXGeneral-Regular" pitchFamily="2" charset="2"/>
+              </a:rPr>
+              <a:t>1))≥</a:t>
+            </a:r>
+            <a:r>
+              <a:rPr lang="en-US" u="none" strike="noStrike">
+                <a:effectLst/>
+                <a:latin typeface="STIXGeneral-Italic" pitchFamily="2" charset="2"/>
+              </a:rPr>
+              <a:t>f</a:t>
+            </a:r>
+            <a:r>
+              <a:rPr lang="en-US" u="none" strike="noStrike">
+                <a:effectLst/>
+                <a:latin typeface="STIXGeneral-Regular" pitchFamily="2" charset="2"/>
+              </a:rPr>
+              <a:t>(</a:t>
+            </a:r>
+            <a:r>
+              <a:rPr lang="en-US" b="1" u="none" strike="noStrike">
+                <a:effectLst/>
+                <a:latin typeface="STIXGeneral" pitchFamily="2" charset="2"/>
+              </a:rPr>
+              <a:t>w(</a:t>
+            </a:r>
+            <a:r>
+              <a:rPr lang="en-US" u="none" strike="noStrike">
+                <a:effectLst/>
+                <a:latin typeface="STIXGeneral-Regular" pitchFamily="2" charset="2"/>
+              </a:rPr>
+              <a:t>2))≥⋯,</a:t>
+            </a:r>
+            <a:endParaRPr lang="en-US">
+              <a:effectLst/>
+            </a:endParaRPr>
+          </a:p>
+          <a:p>
+            <a:pPr fontAlgn="base"/>
+            <a:endParaRPr lang="en-US" b="0" i="0">
+              <a:solidFill>
+                <a:srgbClr val="222222"/>
+              </a:solidFill>
+              <a:effectLst/>
+              <a:latin typeface="Source Sans Pro" panose="020F0502020204030204" pitchFamily="34" charset="0"/>
+            </a:endParaRPr>
+          </a:p>
+        </p:txBody>
+      </p:sp>
+      <p:pic>
+        <p:nvPicPr>
+          <p:cNvPr id="5" name="Picture 4">
+            <a:extLst>
+              <a:ext uri="{FF2B5EF4-FFF2-40B4-BE49-F238E27FC236}">
+                <a16:creationId xmlns:a16="http://schemas.microsoft.com/office/drawing/2014/main" id="{0699ADB8-4A4F-6F4E-9B09-3A4C3CB053BF}"/>
+              </a:ext>
+            </a:extLst>
+          </p:cNvPr>
+          <p:cNvPicPr>
+            <a:picLocks noChangeAspect="1"/>
+          </p:cNvPicPr>
+          <p:nvPr/>
+        </p:nvPicPr>
+        <p:blipFill>
+          <a:blip r:embed="rId2"/>
+          <a:stretch>
+            <a:fillRect/>
+          </a:stretch>
+        </p:blipFill>
+        <p:spPr>
+          <a:xfrm>
+            <a:off x="6908800" y="1401604"/>
+            <a:ext cx="4445000" cy="4762500"/>
+          </a:xfrm>
+          <a:prstGeom prst="rect">
+            <a:avLst/>
+          </a:prstGeom>
+        </p:spPr>
+      </p:pic>
+      <p:sp>
+        <p:nvSpPr>
+          <p:cNvPr id="6" name="Title 1">
+            <a:extLst>
+              <a:ext uri="{FF2B5EF4-FFF2-40B4-BE49-F238E27FC236}">
+                <a16:creationId xmlns:a16="http://schemas.microsoft.com/office/drawing/2014/main" id="{0A669A59-911B-F441-AF60-CFA7964F3AC3}"/>
+              </a:ext>
+            </a:extLst>
+          </p:cNvPr>
+          <p:cNvSpPr txBox="1">
+            <a:spLocks/>
+          </p:cNvSpPr>
+          <p:nvPr/>
+        </p:nvSpPr>
+        <p:spPr>
+          <a:xfrm>
+            <a:off x="-10274" y="-5170"/>
+            <a:ext cx="12202274" cy="646331"/>
+          </a:xfrm>
+          <a:prstGeom prst="rect">
+            <a:avLst/>
+          </a:prstGeom>
+          <a:solidFill>
+            <a:srgbClr val="00FDFF"/>
+          </a:solidFill>
+        </p:spPr>
+        <p:txBody>
+          <a:bodyPr vert="horz" lIns="91440" tIns="45720" rIns="91440" bIns="45720" rtlCol="0" anchor="ctr">
+            <a:normAutofit fontScale="97500" lnSpcReduction="10000"/>
+          </a:bodyPr>
+          <a:lstStyle>
+            <a:lvl1pPr algn="l" defTabSz="914400" rtl="0" eaLnBrk="1" latinLnBrk="0" hangingPunct="1">
+              <a:lnSpc>
+                <a:spcPct val="90000"/>
+              </a:lnSpc>
+              <a:spcBef>
+                <a:spcPct val="0"/>
+              </a:spcBef>
+              <a:buNone/>
+              <a:defRPr sz="4400" kern="1200">
+                <a:solidFill>
+                  <a:schemeClr val="tx1"/>
+                </a:solidFill>
+                <a:latin typeface="+mj-lt"/>
+                <a:ea typeface="+mj-ea"/>
+                <a:cs typeface="+mj-cs"/>
+              </a:defRPr>
+            </a:lvl1pPr>
+          </a:lstStyle>
+          <a:p>
+            <a:r>
+              <a:rPr lang="fr-FR"/>
+              <a:t>Méthode du gradient – batch gradient descent</a:t>
+            </a:r>
+          </a:p>
+        </p:txBody>
+      </p:sp>
+    </p:spTree>
+    <p:extLst>
+      <p:ext uri="{BB962C8B-B14F-4D97-AF65-F5344CB8AC3E}">
+        <p14:creationId xmlns:p14="http://schemas.microsoft.com/office/powerpoint/2010/main" val="3601364981"/>
+      </p:ext>
+    </p:extLst>
+  </p:cSld>
+  <p:clrMapOvr>
+    <a:masterClrMapping/>
+  </p:clrMapOvr>
+</p:sld>
+</file>
+
 <file path=ppt/slides/slide8.xml><?xml version="1.0" encoding="utf-8"?>
 <p:sld xmlns:a="http://schemas.openxmlformats.org/drawingml/2006/main" xmlns:r="http://schemas.openxmlformats.org/officeDocument/2006/relationships" xmlns:p="http://schemas.openxmlformats.org/presentationml/2006/main">
   <p:cSld>
@@ -6002,7 +6188,7 @@
                 <a:latin typeface="Courier New" panose="02070309020205020404" pitchFamily="49" charset="0"/>
                 <a:cs typeface="Courier New" panose="02070309020205020404" pitchFamily="49" charset="0"/>
               </a:rPr>
-              <a:t>    gamma       = 0.01 # step size multiplier</a:t>
+              <a:t>    alpha       = 0.01 # step size multiplier</a:t>
             </a:r>
           </a:p>
           <a:p>
@@ -6050,7 +6236,7 @@
                 <a:latin typeface="Courier New" panose="02070309020205020404" pitchFamily="49" charset="0"/>
                 <a:cs typeface="Courier New" panose="02070309020205020404" pitchFamily="49" charset="0"/>
               </a:rPr>
-              <a:t>    previous_step_size = 1</a:t>
+              <a:t>    gradient = 1</a:t>
             </a:r>
           </a:p>
           <a:p>
@@ -6078,8 +6264,11 @@
             <a:r>
               <a:rPr lang="fr-FR">
                 <a:solidFill>
-                  <a:schemeClr val="bg1"/>
-                </a:solidFill>
+                  <a:srgbClr val="002060"/>
+                </a:solidFill>
+                <a:highlight>
+                  <a:srgbClr val="FFFF00"/>
+                </a:highlight>
                 <a:latin typeface="Courier New" panose="02070309020205020404" pitchFamily="49" charset="0"/>
                 <a:cs typeface="Courier New" panose="02070309020205020404" pitchFamily="49" charset="0"/>
               </a:rPr>
@@ -6143,7 +6332,7 @@
                 <a:latin typeface="Courier New" panose="02070309020205020404" pitchFamily="49" charset="0"/>
                 <a:cs typeface="Courier New" panose="02070309020205020404" pitchFamily="49" charset="0"/>
               </a:rPr>
-              <a:t>        cur_x -= gamma * fct(prev_x)</a:t>
+              <a:t>        cur_x -= alpha * fct(prev_x)</a:t>
             </a:r>
           </a:p>
           <a:p>
@@ -6155,7 +6344,7 @@
                 <a:latin typeface="Courier New" panose="02070309020205020404" pitchFamily="49" charset="0"/>
                 <a:cs typeface="Courier New" panose="02070309020205020404" pitchFamily="49" charset="0"/>
               </a:rPr>
-              <a:t>        print(cur_x, previous_step_size)</a:t>
+              <a:t>        print(cur_x, gradient)</a:t>
             </a:r>
           </a:p>
           <a:p>
@@ -6167,7 +6356,7 @@
                 <a:latin typeface="Courier New" panose="02070309020205020404" pitchFamily="49" charset="0"/>
                 <a:cs typeface="Courier New" panose="02070309020205020404" pitchFamily="49" charset="0"/>
               </a:rPr>
-              <a:t>        previous_step_size = abs(cur_x - prev_x)</a:t>
+              <a:t>	 gradient = abs(cur_x - prev_x)</a:t>
             </a:r>
           </a:p>
           <a:p>
@@ -6282,8 +6471,48 @@
                   <a:schemeClr val="bg1"/>
                 </a:solidFill>
               </a:rPr>
-              <a:t>A vous – batch gradient descent</a:t>
-            </a:r>
+              <a:t>A vous – gradient descent</a:t>
+            </a:r>
+          </a:p>
+        </p:txBody>
+      </p:sp>
+      <p:sp>
+        <p:nvSpPr>
+          <p:cNvPr id="2" name="Rectangle 1">
+            <a:extLst>
+              <a:ext uri="{FF2B5EF4-FFF2-40B4-BE49-F238E27FC236}">
+                <a16:creationId xmlns:a16="http://schemas.microsoft.com/office/drawing/2014/main" id="{CA7195F7-0DD1-4540-97BA-DDFD9355E9D9}"/>
+              </a:ext>
+            </a:extLst>
+          </p:cNvPr>
+          <p:cNvSpPr/>
+          <p:nvPr/>
+        </p:nvSpPr>
+        <p:spPr>
+          <a:xfrm>
+            <a:off x="3049557" y="6477738"/>
+            <a:ext cx="5836854" cy="369332"/>
+          </a:xfrm>
+          <a:prstGeom prst="rect">
+            <a:avLst/>
+          </a:prstGeom>
+          <a:solidFill>
+            <a:schemeClr val="bg1"/>
+          </a:solidFill>
+        </p:spPr>
+        <p:txBody>
+          <a:bodyPr wrap="none">
+            <a:spAutoFit/>
+          </a:bodyPr>
+          <a:lstStyle/>
+          <a:p>
+            <a:r>
+              <a:rPr lang="en-US">
+                <a:hlinkClick r:id="rId2"/>
+              </a:rPr>
+              <a:t>http://localhost:8888/notebooks/notebooks/Gradient.ipynb</a:t>
+            </a:r>
+            <a:endParaRPr lang="fr-FR"/>
           </a:p>
         </p:txBody>
       </p:sp>

--- a/slides/XEM20_S1D6_sgd_ensembling.pptx
+++ b/slides/XEM20_S1D6_sgd_ensembling.pptx
@@ -6153,7 +6153,7 @@
         <p:spPr>
           <a:xfrm>
             <a:off x="-10274" y="641161"/>
-            <a:ext cx="12380358" cy="5909310"/>
+            <a:ext cx="12380358" cy="6740307"/>
           </a:xfrm>
           <a:prstGeom prst="rect">
             <a:avLst/>
@@ -6176,7 +6176,7 @@
                 <a:latin typeface="Courier New" panose="02070309020205020404" pitchFamily="49" charset="0"/>
                 <a:cs typeface="Courier New" panose="02070309020205020404" pitchFamily="49" charset="0"/>
               </a:rPr>
-              <a:t>    cur_x       = 6 # The algorithm starts at x=6</a:t>
+              <a:t>    cur_x       = 6       # The algorithm starts at x=6</a:t>
             </a:r>
           </a:p>
           <a:p>
@@ -6188,7 +6188,7 @@
                 <a:latin typeface="Courier New" panose="02070309020205020404" pitchFamily="49" charset="0"/>
                 <a:cs typeface="Courier New" panose="02070309020205020404" pitchFamily="49" charset="0"/>
               </a:rPr>
-              <a:t>    alpha       = 0.01 # step size multiplier</a:t>
+              <a:t>    alpha       = 0.01    # step size multiplier</a:t>
             </a:r>
           </a:p>
           <a:p>
@@ -6200,7 +6200,7 @@
                 <a:latin typeface="Courier New" panose="02070309020205020404" pitchFamily="49" charset="0"/>
                 <a:cs typeface="Courier New" panose="02070309020205020404" pitchFamily="49" charset="0"/>
               </a:rPr>
-              <a:t>    max_iters   = 10000 # maximum number of iterations</a:t>
+              <a:t>    max_iters   = 10000.  # maximum number of iterations</a:t>
             </a:r>
           </a:p>
           <a:p>
@@ -6212,7 +6212,7 @@
                 <a:latin typeface="Courier New" panose="02070309020205020404" pitchFamily="49" charset="0"/>
                 <a:cs typeface="Courier New" panose="02070309020205020404" pitchFamily="49" charset="0"/>
               </a:rPr>
-              <a:t>    iters       = 0 #iteration counter</a:t>
+              <a:t>    iters       = 0       #iteration counter</a:t>
             </a:r>
           </a:p>
           <a:p>
@@ -6225,18 +6225,6 @@
                 <a:cs typeface="Courier New" panose="02070309020205020404" pitchFamily="49" charset="0"/>
               </a:rPr>
               <a:t>    precision   = 0.00001</a:t>
-            </a:r>
-          </a:p>
-          <a:p>
-            <a:r>
-              <a:rPr lang="fr-FR">
-                <a:solidFill>
-                  <a:schemeClr val="bg1"/>
-                </a:solidFill>
-                <a:latin typeface="Courier New" panose="02070309020205020404" pitchFamily="49" charset="0"/>
-                <a:cs typeface="Courier New" panose="02070309020205020404" pitchFamily="49" charset="0"/>
-              </a:rPr>
-              <a:t>    gradient = 1</a:t>
             </a:r>
           </a:p>
           <a:p>
@@ -6281,10 +6269,13 @@
                 <a:solidFill>
                   <a:schemeClr val="bg1"/>
                 </a:solidFill>
+                <a:highlight>
+                  <a:srgbClr val="0000FF"/>
+                </a:highlight>
                 <a:latin typeface="Courier New" panose="02070309020205020404" pitchFamily="49" charset="0"/>
                 <a:cs typeface="Courier New" panose="02070309020205020404" pitchFamily="49" charset="0"/>
               </a:rPr>
-              <a:t>    x = []</a:t>
+              <a:t>x_0 = 6</a:t>
             </a:r>
           </a:p>
           <a:p>
@@ -6293,11 +6284,38 @@
                 <a:solidFill>
                   <a:schemeClr val="bg1"/>
                 </a:solidFill>
+                <a:highlight>
+                  <a:srgbClr val="0000FF"/>
+                </a:highlight>
                 <a:latin typeface="Courier New" panose="02070309020205020404" pitchFamily="49" charset="0"/>
                 <a:cs typeface="Courier New" panose="02070309020205020404" pitchFamily="49" charset="0"/>
               </a:rPr>
-              <a:t>    while (previous_step_size &gt; precision) &amp; (iters &lt; max_iters):</a:t>
-            </a:r>
+              <a:t>x_t+1 = x_t - alpha * fct(x_t)</a:t>
+            </a:r>
+          </a:p>
+          <a:p>
+            <a:endParaRPr lang="fr-FR">
+              <a:solidFill>
+                <a:srgbClr val="002060"/>
+              </a:solidFill>
+              <a:highlight>
+                <a:srgbClr val="FFFF00"/>
+              </a:highlight>
+              <a:latin typeface="Courier New" panose="02070309020205020404" pitchFamily="49" charset="0"/>
+              <a:cs typeface="Courier New" panose="02070309020205020404" pitchFamily="49" charset="0"/>
+            </a:endParaRPr>
+          </a:p>
+          <a:p>
+            <a:endParaRPr lang="fr-FR">
+              <a:solidFill>
+                <a:srgbClr val="002060"/>
+              </a:solidFill>
+              <a:highlight>
+                <a:srgbClr val="FFFF00"/>
+              </a:highlight>
+              <a:latin typeface="Courier New" panose="02070309020205020404" pitchFamily="49" charset="0"/>
+              <a:cs typeface="Courier New" panose="02070309020205020404" pitchFamily="49" charset="0"/>
+            </a:endParaRPr>
           </a:p>
           <a:p>
             <a:r>
@@ -6308,7 +6326,7 @@
                 <a:latin typeface="Courier New" panose="02070309020205020404" pitchFamily="49" charset="0"/>
                 <a:cs typeface="Courier New" panose="02070309020205020404" pitchFamily="49" charset="0"/>
               </a:rPr>
-              <a:t>        x.append(cur_x)</a:t>
+              <a:t>    x = []</a:t>
             </a:r>
           </a:p>
           <a:p>
@@ -6320,7 +6338,7 @@
                 <a:latin typeface="Courier New" panose="02070309020205020404" pitchFamily="49" charset="0"/>
                 <a:cs typeface="Courier New" panose="02070309020205020404" pitchFamily="49" charset="0"/>
               </a:rPr>
-              <a:t>        prev_x = cur_x</a:t>
+              <a:t>    while (delta &gt; precision) &amp; (iters &lt; max_iters):</a:t>
             </a:r>
           </a:p>
           <a:p>
@@ -6332,7 +6350,7 @@
                 <a:latin typeface="Courier New" panose="02070309020205020404" pitchFamily="49" charset="0"/>
                 <a:cs typeface="Courier New" panose="02070309020205020404" pitchFamily="49" charset="0"/>
               </a:rPr>
-              <a:t>        cur_x -= alpha * fct(prev_x)</a:t>
+              <a:t>        x.append(cur_x)</a:t>
             </a:r>
           </a:p>
           <a:p>
@@ -6344,7 +6362,7 @@
                 <a:latin typeface="Courier New" panose="02070309020205020404" pitchFamily="49" charset="0"/>
                 <a:cs typeface="Courier New" panose="02070309020205020404" pitchFamily="49" charset="0"/>
               </a:rPr>
-              <a:t>        print(cur_x, gradient)</a:t>
+              <a:t>        prev_x = cur_x</a:t>
             </a:r>
           </a:p>
           <a:p>
@@ -6356,7 +6374,31 @@
                 <a:latin typeface="Courier New" panose="02070309020205020404" pitchFamily="49" charset="0"/>
                 <a:cs typeface="Courier New" panose="02070309020205020404" pitchFamily="49" charset="0"/>
               </a:rPr>
-              <a:t>	 gradient = abs(cur_x - prev_x)</a:t>
+              <a:t>        cur_x -= alpha * fct(prev_x)</a:t>
+            </a:r>
+          </a:p>
+          <a:p>
+            <a:r>
+              <a:rPr lang="fr-FR">
+                <a:solidFill>
+                  <a:schemeClr val="bg1"/>
+                </a:solidFill>
+                <a:latin typeface="Courier New" panose="02070309020205020404" pitchFamily="49" charset="0"/>
+                <a:cs typeface="Courier New" panose="02070309020205020404" pitchFamily="49" charset="0"/>
+              </a:rPr>
+              <a:t>        print(cur_x, delta)</a:t>
+            </a:r>
+          </a:p>
+          <a:p>
+            <a:r>
+              <a:rPr lang="fr-FR">
+                <a:solidFill>
+                  <a:schemeClr val="bg1"/>
+                </a:solidFill>
+                <a:latin typeface="Courier New" panose="02070309020205020404" pitchFamily="49" charset="0"/>
+                <a:cs typeface="Courier New" panose="02070309020205020404" pitchFamily="49" charset="0"/>
+              </a:rPr>
+              <a:t>	 delta = abs(cur_x - prev_x)</a:t>
             </a:r>
           </a:p>
           <a:p>
@@ -6473,46 +6515,6 @@
               </a:rPr>
               <a:t>A vous – gradient descent</a:t>
             </a:r>
-          </a:p>
-        </p:txBody>
-      </p:sp>
-      <p:sp>
-        <p:nvSpPr>
-          <p:cNvPr id="2" name="Rectangle 1">
-            <a:extLst>
-              <a:ext uri="{FF2B5EF4-FFF2-40B4-BE49-F238E27FC236}">
-                <a16:creationId xmlns:a16="http://schemas.microsoft.com/office/drawing/2014/main" id="{CA7195F7-0DD1-4540-97BA-DDFD9355E9D9}"/>
-              </a:ext>
-            </a:extLst>
-          </p:cNvPr>
-          <p:cNvSpPr/>
-          <p:nvPr/>
-        </p:nvSpPr>
-        <p:spPr>
-          <a:xfrm>
-            <a:off x="3049557" y="6477738"/>
-            <a:ext cx="5836854" cy="369332"/>
-          </a:xfrm>
-          <a:prstGeom prst="rect">
-            <a:avLst/>
-          </a:prstGeom>
-          <a:solidFill>
-            <a:schemeClr val="bg1"/>
-          </a:solidFill>
-        </p:spPr>
-        <p:txBody>
-          <a:bodyPr wrap="none">
-            <a:spAutoFit/>
-          </a:bodyPr>
-          <a:lstStyle/>
-          <a:p>
-            <a:r>
-              <a:rPr lang="en-US">
-                <a:hlinkClick r:id="rId2"/>
-              </a:rPr>
-              <a:t>http://localhost:8888/notebooks/notebooks/Gradient.ipynb</a:t>
-            </a:r>
-            <a:endParaRPr lang="fr-FR"/>
           </a:p>
         </p:txBody>
       </p:sp>

--- a/slides/XEM20_S1D6_sgd_ensembling.pptx
+++ b/slides/XEM20_S1D6_sgd_ensembling.pptx
@@ -6153,7 +6153,7 @@
         <p:spPr>
           <a:xfrm>
             <a:off x="-10274" y="641161"/>
-            <a:ext cx="12380358" cy="6740307"/>
+            <a:ext cx="12380358" cy="6463308"/>
           </a:xfrm>
           <a:prstGeom prst="rect">
             <a:avLst/>
@@ -6200,7 +6200,7 @@
                 <a:latin typeface="Courier New" panose="02070309020205020404" pitchFamily="49" charset="0"/>
                 <a:cs typeface="Courier New" panose="02070309020205020404" pitchFamily="49" charset="0"/>
               </a:rPr>
-              <a:t>    max_iters   = 10000.  # maximum number of iterations</a:t>
+              <a:t>    max_iters   = 1000    # maximum number of iterations</a:t>
             </a:r>
           </a:p>
           <a:p>
@@ -6213,18 +6213,6 @@
                 <a:cs typeface="Courier New" panose="02070309020205020404" pitchFamily="49" charset="0"/>
               </a:rPr>
               <a:t>    iters       = 0       #iteration counter</a:t>
-            </a:r>
-          </a:p>
-          <a:p>
-            <a:r>
-              <a:rPr lang="fr-FR">
-                <a:solidFill>
-                  <a:schemeClr val="bg1"/>
-                </a:solidFill>
-                <a:latin typeface="Courier New" panose="02070309020205020404" pitchFamily="49" charset="0"/>
-                <a:cs typeface="Courier New" panose="02070309020205020404" pitchFamily="49" charset="0"/>
-              </a:rPr>
-              <a:t>    precision   = 0.00001</a:t>
             </a:r>
           </a:p>
           <a:p>
@@ -6338,7 +6326,7 @@
                 <a:latin typeface="Courier New" panose="02070309020205020404" pitchFamily="49" charset="0"/>
                 <a:cs typeface="Courier New" panose="02070309020205020404" pitchFamily="49" charset="0"/>
               </a:rPr>
-              <a:t>    while (delta &gt; precision) &amp; (iters &lt; max_iters):</a:t>
+              <a:t>    while (iters &lt; max_iters):</a:t>
             </a:r>
           </a:p>
           <a:p>
